--- a/Output_french_example.pptx
+++ b/Output_french_example.pptx
@@ -66,6 +66,8 @@
     <p:sldId id="314" r:id="rId65"/>
     <p:sldId id="315" r:id="rId66"/>
     <p:sldId id="316" r:id="rId67"/>
+    <p:sldId id="317" r:id="rId68"/>
+    <p:sldId id="318" r:id="rId69"/>
   </p:sldIdLst>
   <p:sldSz cx="9144000" cy="6858000" type="screen4x3"/>
   <p:notesSz cx="6858000" cy="9144000"/>
@@ -3242,15 +3244,23 @@
             </a:r>
             <a:br/>
             <a:r>
-              <a:t>La capitalisation , valeur entreprise , chiffre d'affaire , EBITDA , EBIT , EBT</a:t>
+              <a:t>La capitalisation ,valeur entreprise, chiffre d'affaire, EBITDA, EBIT, EBT, le</a:t>
             </a:r>
             <a:br/>
             <a:r>
-              <a:t>, le résultat net , la dette et trésorerie net , le free cash flow , les</a:t>
+              <a:t>résultat net, la dette et trésorerie net, le free cash flow, les capitaux</a:t>
             </a:r>
             <a:br/>
             <a:r>
-              <a:t>capitaux propres , le total des actifs et le Capex sont en millions.</a:t>
+              <a:t>propres, le total des actifs et le Capex sont en millions. Le benchmark des</a:t>
+            </a:r>
+            <a:br/>
+            <a:r>
+              <a:t>scores de dividendes est composé des tickers suivants ;</a:t>
+            </a:r>
+            <a:br/>
+            <a:r>
+              <a:t>KO,JNJ,XOM,MMM,ITW,PM,IBM,ED,O,PG,EPD,BLK,VZ,NW</a:t>
             </a:r>
           </a:p>
         </p:txBody>
@@ -3289,7 +3299,7 @@
           <a:lstStyle/>
           <a:p>
             <a:r>
-              <a:t>Valeur Entreprise / FCF</a:t>
+              <a:t>Valeur Entreprise / EBITDA</a:t>
             </a:r>
           </a:p>
         </p:txBody>
@@ -3369,7 +3379,7 @@
           <a:lstStyle/>
           <a:p>
             <a:r>
-              <a:t>FCF Yield</a:t>
+              <a:t>Valeur Entreprise / FCF</a:t>
             </a:r>
           </a:p>
         </p:txBody>
@@ -3449,7 +3459,7 @@
           <a:lstStyle/>
           <a:p>
             <a:r>
-              <a:t>Price to Book</a:t>
+              <a:t>FCF Yield</a:t>
             </a:r>
           </a:p>
         </p:txBody>
@@ -3529,7 +3539,7 @@
           <a:lstStyle/>
           <a:p>
             <a:r>
-              <a:t>Nbr de Titres en Milliers</a:t>
+              <a:t>Price to Book</a:t>
             </a:r>
           </a:p>
         </p:txBody>
@@ -3609,7 +3619,7 @@
           <a:lstStyle/>
           <a:p>
             <a:r>
-              <a:t>Cours de référence</a:t>
+              <a:t>Nbr de Titres en Milliers</a:t>
             </a:r>
           </a:p>
         </p:txBody>
@@ -3689,6 +3699,86 @@
           <a:lstStyle/>
           <a:p>
             <a:r>
+              <a:t>Cours de référence</a:t>
+            </a:r>
+          </a:p>
+        </p:txBody>
+      </p:sp>
+      <p:sp>
+        <p:nvSpPr>
+          <p:cNvPr id="3" name="Content Placeholder 2"/>
+          <p:cNvSpPr>
+            <a:spLocks noGrp="1"/>
+          </p:cNvSpPr>
+          <p:nvPr>
+            <p:ph idx="1"/>
+          </p:nvPr>
+        </p:nvSpPr>
+        <p:spPr/>
+        <p:txBody>
+          <a:bodyPr/>
+          <a:lstStyle/>
+          <a:p/>
+        </p:txBody>
+      </p:sp>
+      <p:pic>
+        <p:nvPicPr>
+          <p:cNvPr id="4" name="Picture 3" descr="fig{i}.png"/>
+          <p:cNvPicPr>
+            <a:picLocks noChangeAspect="1"/>
+          </p:cNvPicPr>
+          <p:nvPr/>
+        </p:nvPicPr>
+        <p:blipFill>
+          <a:blip r:embed="rId2"/>
+          <a:stretch>
+            <a:fillRect/>
+          </a:stretch>
+        </p:blipFill>
+        <p:spPr>
+          <a:xfrm>
+            <a:off x="1005840" y="1737360"/>
+            <a:ext cx="7315200" cy="4572000"/>
+          </a:xfrm>
+          <a:prstGeom prst="rect">
+            <a:avLst/>
+          </a:prstGeom>
+        </p:spPr>
+      </p:pic>
+    </p:spTree>
+  </p:cSld>
+  <p:clrMapOvr>
+    <a:masterClrMapping/>
+  </p:clrMapOvr>
+</p:sld>
+</file>
+
+<file path=ppt/slides/slide16.xml><?xml version="1.0" encoding="utf-8"?>
+<p:sld xmlns:a="http://schemas.openxmlformats.org/drawingml/2006/main" xmlns:p="http://schemas.openxmlformats.org/presentationml/2006/main" xmlns:r="http://schemas.openxmlformats.org/officeDocument/2006/relationships">
+  <p:cSld>
+    <p:spTree>
+      <p:nvGrpSpPr>
+        <p:cNvPr id="1" name=""/>
+        <p:cNvGrpSpPr/>
+        <p:nvPr/>
+      </p:nvGrpSpPr>
+      <p:grpSpPr/>
+      <p:sp>
+        <p:nvSpPr>
+          <p:cNvPr id="2" name="Title 1"/>
+          <p:cNvSpPr>
+            <a:spLocks noGrp="1"/>
+          </p:cNvSpPr>
+          <p:nvPr>
+            <p:ph type="title"/>
+          </p:nvPr>
+        </p:nvSpPr>
+        <p:spPr/>
+        <p:txBody>
+          <a:bodyPr/>
+          <a:lstStyle/>
+          <a:p>
+            <a:r>
               <a:t>Tableau 2</a:t>
             </a:r>
           </a:p>
@@ -3743,86 +3833,6 @@
 </p:sld>
 </file>
 
-<file path=ppt/slides/slide16.xml><?xml version="1.0" encoding="utf-8"?>
-<p:sld xmlns:a="http://schemas.openxmlformats.org/drawingml/2006/main" xmlns:p="http://schemas.openxmlformats.org/presentationml/2006/main" xmlns:r="http://schemas.openxmlformats.org/officeDocument/2006/relationships">
-  <p:cSld>
-    <p:spTree>
-      <p:nvGrpSpPr>
-        <p:cNvPr id="1" name=""/>
-        <p:cNvGrpSpPr/>
-        <p:nvPr/>
-      </p:nvGrpSpPr>
-      <p:grpSpPr/>
-      <p:sp>
-        <p:nvSpPr>
-          <p:cNvPr id="2" name="Title 1"/>
-          <p:cNvSpPr>
-            <a:spLocks noGrp="1"/>
-          </p:cNvSpPr>
-          <p:nvPr>
-            <p:ph type="title"/>
-          </p:nvPr>
-        </p:nvSpPr>
-        <p:spPr/>
-        <p:txBody>
-          <a:bodyPr/>
-          <a:lstStyle/>
-          <a:p>
-            <a:r>
-              <a:t>Chiffre d'affaires</a:t>
-            </a:r>
-          </a:p>
-        </p:txBody>
-      </p:sp>
-      <p:sp>
-        <p:nvSpPr>
-          <p:cNvPr id="3" name="Content Placeholder 2"/>
-          <p:cNvSpPr>
-            <a:spLocks noGrp="1"/>
-          </p:cNvSpPr>
-          <p:nvPr>
-            <p:ph idx="1"/>
-          </p:nvPr>
-        </p:nvSpPr>
-        <p:spPr/>
-        <p:txBody>
-          <a:bodyPr/>
-          <a:lstStyle/>
-          <a:p/>
-        </p:txBody>
-      </p:sp>
-      <p:pic>
-        <p:nvPicPr>
-          <p:cNvPr id="4" name="Picture 3" descr="fig{i}.png"/>
-          <p:cNvPicPr>
-            <a:picLocks noChangeAspect="1"/>
-          </p:cNvPicPr>
-          <p:nvPr/>
-        </p:nvPicPr>
-        <p:blipFill>
-          <a:blip r:embed="rId2"/>
-          <a:stretch>
-            <a:fillRect/>
-          </a:stretch>
-        </p:blipFill>
-        <p:spPr>
-          <a:xfrm>
-            <a:off x="1005840" y="1737360"/>
-            <a:ext cx="7315200" cy="4572000"/>
-          </a:xfrm>
-          <a:prstGeom prst="rect">
-            <a:avLst/>
-          </a:prstGeom>
-        </p:spPr>
-      </p:pic>
-    </p:spTree>
-  </p:cSld>
-  <p:clrMapOvr>
-    <a:masterClrMapping/>
-  </p:clrMapOvr>
-</p:sld>
-</file>
-
 <file path=ppt/slides/slide17.xml><?xml version="1.0" encoding="utf-8"?>
 <p:sld xmlns:a="http://schemas.openxmlformats.org/drawingml/2006/main" xmlns:p="http://schemas.openxmlformats.org/presentationml/2006/main" xmlns:r="http://schemas.openxmlformats.org/officeDocument/2006/relationships">
   <p:cSld>
@@ -3849,7 +3859,7 @@
           <a:lstStyle/>
           <a:p>
             <a:r>
-              <a:t>EBITDA</a:t>
+              <a:t>Chiffre d'affaires</a:t>
             </a:r>
           </a:p>
         </p:txBody>
@@ -3929,7 +3939,7 @@
           <a:lstStyle/>
           <a:p>
             <a:r>
-              <a:t>Résultat d'exploitation EBIT</a:t>
+              <a:t>EBITDA</a:t>
             </a:r>
           </a:p>
         </p:txBody>
@@ -4009,7 +4019,7 @@
           <a:lstStyle/>
           <a:p>
             <a:r>
-              <a:t>Marge d'exploitation</a:t>
+              <a:t>Résultat d'exploitation EBIT</a:t>
             </a:r>
           </a:p>
         </p:txBody>
@@ -4089,7 +4099,7 @@
           <a:lstStyle/>
           <a:p>
             <a:r>
-              <a:t>Tableau 1</a:t>
+              <a:t>Suite :</a:t>
             </a:r>
           </a:p>
         </p:txBody>
@@ -4111,30 +4121,35 @@
           <a:p/>
         </p:txBody>
       </p:sp>
-      <p:pic>
-        <p:nvPicPr>
-          <p:cNvPr id="4" name="Picture 3" descr="df1.png"/>
-          <p:cNvPicPr>
-            <a:picLocks noChangeAspect="1"/>
-          </p:cNvPicPr>
+      <p:sp>
+        <p:nvSpPr>
+          <p:cNvPr id="4" name="TextBox 3"/>
+          <p:cNvSpPr txBox="1"/>
           <p:nvPr/>
-        </p:nvPicPr>
-        <p:blipFill>
-          <a:blip r:embed="rId2"/>
-          <a:stretch>
-            <a:fillRect/>
-          </a:stretch>
-        </p:blipFill>
+        </p:nvSpPr>
         <p:spPr>
           <a:xfrm>
-            <a:off x="548640" y="1920240"/>
-            <a:ext cx="8357616" cy="2962656"/>
+            <a:off x="9" y="1600200"/>
+            <a:ext cx="91" cy="91"/>
           </a:xfrm>
           <a:prstGeom prst="rect">
             <a:avLst/>
           </a:prstGeom>
+          <a:noFill/>
         </p:spPr>
-      </p:pic>
+        <p:txBody>
+          <a:bodyPr wrap="none">
+            <a:spAutoFit/>
+          </a:bodyPr>
+          <a:lstStyle/>
+          <a:p/>
+          <a:p>
+            <a:r>
+              <a:t>N</a:t>
+            </a:r>
+          </a:p>
+        </p:txBody>
+      </p:sp>
     </p:spTree>
   </p:cSld>
   <p:clrMapOvr>
@@ -4169,7 +4184,7 @@
           <a:lstStyle/>
           <a:p>
             <a:r>
-              <a:t>Résultat Avt. Impôt EBT</a:t>
+              <a:t>Marge d'exploitation</a:t>
             </a:r>
           </a:p>
         </p:txBody>
@@ -4249,7 +4264,7 @@
           <a:lstStyle/>
           <a:p>
             <a:r>
-              <a:t>Résultat net</a:t>
+              <a:t>Résultat Avt. Impôt EBT</a:t>
             </a:r>
           </a:p>
         </p:txBody>
@@ -4329,7 +4344,7 @@
           <a:lstStyle/>
           <a:p>
             <a:r>
-              <a:t>Marge nette</a:t>
+              <a:t>Résultat net</a:t>
             </a:r>
           </a:p>
         </p:txBody>
@@ -4409,7 +4424,7 @@
           <a:lstStyle/>
           <a:p>
             <a:r>
-              <a:t>BNA</a:t>
+              <a:t>Marge nette</a:t>
             </a:r>
           </a:p>
         </p:txBody>
@@ -4489,7 +4504,7 @@
           <a:lstStyle/>
           <a:p>
             <a:r>
-              <a:t>Free Cash Flow</a:t>
+              <a:t>BNA</a:t>
             </a:r>
           </a:p>
         </p:txBody>
@@ -4569,7 +4584,7 @@
           <a:lstStyle/>
           <a:p>
             <a:r>
-              <a:t>Marge FCF</a:t>
+              <a:t>Free Cash Flow</a:t>
             </a:r>
           </a:p>
         </p:txBody>
@@ -4649,7 +4664,7 @@
           <a:lstStyle/>
           <a:p>
             <a:r>
-              <a:t>FCF Conversion EBITDA</a:t>
+              <a:t>Marge FCF</a:t>
             </a:r>
           </a:p>
         </p:txBody>
@@ -4729,7 +4744,7 @@
           <a:lstStyle/>
           <a:p>
             <a:r>
-              <a:t>FCF Conversion Résultat net</a:t>
+              <a:t>FCF Conversion EBITDA</a:t>
             </a:r>
           </a:p>
         </p:txBody>
@@ -4809,7 +4824,7 @@
           <a:lstStyle/>
           <a:p>
             <a:r>
-              <a:t>Dividende / Action</a:t>
+              <a:t>FCF Conversion Résultat net</a:t>
             </a:r>
           </a:p>
         </p:txBody>
@@ -4889,6 +4904,166 @@
           <a:lstStyle/>
           <a:p>
             <a:r>
+              <a:t>Dividende / Action</a:t>
+            </a:r>
+          </a:p>
+        </p:txBody>
+      </p:sp>
+      <p:sp>
+        <p:nvSpPr>
+          <p:cNvPr id="3" name="Content Placeholder 2"/>
+          <p:cNvSpPr>
+            <a:spLocks noGrp="1"/>
+          </p:cNvSpPr>
+          <p:nvPr>
+            <p:ph idx="1"/>
+          </p:nvPr>
+        </p:nvSpPr>
+        <p:spPr/>
+        <p:txBody>
+          <a:bodyPr/>
+          <a:lstStyle/>
+          <a:p/>
+        </p:txBody>
+      </p:sp>
+      <p:pic>
+        <p:nvPicPr>
+          <p:cNvPr id="4" name="Picture 3" descr="fig{i}.png"/>
+          <p:cNvPicPr>
+            <a:picLocks noChangeAspect="1"/>
+          </p:cNvPicPr>
+          <p:nvPr/>
+        </p:nvPicPr>
+        <p:blipFill>
+          <a:blip r:embed="rId2"/>
+          <a:stretch>
+            <a:fillRect/>
+          </a:stretch>
+        </p:blipFill>
+        <p:spPr>
+          <a:xfrm>
+            <a:off x="1005840" y="1737360"/>
+            <a:ext cx="7315200" cy="4572000"/>
+          </a:xfrm>
+          <a:prstGeom prst="rect">
+            <a:avLst/>
+          </a:prstGeom>
+        </p:spPr>
+      </p:pic>
+    </p:spTree>
+  </p:cSld>
+  <p:clrMapOvr>
+    <a:masterClrMapping/>
+  </p:clrMapOvr>
+</p:sld>
+</file>
+
+<file path=ppt/slides/slide3.xml><?xml version="1.0" encoding="utf-8"?>
+<p:sld xmlns:a="http://schemas.openxmlformats.org/drawingml/2006/main" xmlns:p="http://schemas.openxmlformats.org/presentationml/2006/main" xmlns:r="http://schemas.openxmlformats.org/officeDocument/2006/relationships">
+  <p:cSld>
+    <p:spTree>
+      <p:nvGrpSpPr>
+        <p:cNvPr id="1" name=""/>
+        <p:cNvGrpSpPr/>
+        <p:nvPr/>
+      </p:nvGrpSpPr>
+      <p:grpSpPr/>
+      <p:sp>
+        <p:nvSpPr>
+          <p:cNvPr id="2" name="Title 1"/>
+          <p:cNvSpPr>
+            <a:spLocks noGrp="1"/>
+          </p:cNvSpPr>
+          <p:nvPr>
+            <p:ph type="title"/>
+          </p:nvPr>
+        </p:nvSpPr>
+        <p:spPr/>
+        <p:txBody>
+          <a:bodyPr/>
+          <a:lstStyle/>
+          <a:p>
+            <a:r>
+              <a:t>Tableau 1</a:t>
+            </a:r>
+          </a:p>
+        </p:txBody>
+      </p:sp>
+      <p:sp>
+        <p:nvSpPr>
+          <p:cNvPr id="3" name="Content Placeholder 2"/>
+          <p:cNvSpPr>
+            <a:spLocks noGrp="1"/>
+          </p:cNvSpPr>
+          <p:nvPr>
+            <p:ph idx="1"/>
+          </p:nvPr>
+        </p:nvSpPr>
+        <p:spPr/>
+        <p:txBody>
+          <a:bodyPr/>
+          <a:lstStyle/>
+          <a:p/>
+        </p:txBody>
+      </p:sp>
+      <p:pic>
+        <p:nvPicPr>
+          <p:cNvPr id="4" name="Picture 3" descr="df1.png"/>
+          <p:cNvPicPr>
+            <a:picLocks noChangeAspect="1"/>
+          </p:cNvPicPr>
+          <p:nvPr/>
+        </p:nvPicPr>
+        <p:blipFill>
+          <a:blip r:embed="rId2"/>
+          <a:stretch>
+            <a:fillRect/>
+          </a:stretch>
+        </p:blipFill>
+        <p:spPr>
+          <a:xfrm>
+            <a:off x="548640" y="1920240"/>
+            <a:ext cx="8357616" cy="2962656"/>
+          </a:xfrm>
+          <a:prstGeom prst="rect">
+            <a:avLst/>
+          </a:prstGeom>
+        </p:spPr>
+      </p:pic>
+    </p:spTree>
+  </p:cSld>
+  <p:clrMapOvr>
+    <a:masterClrMapping/>
+  </p:clrMapOvr>
+</p:sld>
+</file>
+
+<file path=ppt/slides/slide30.xml><?xml version="1.0" encoding="utf-8"?>
+<p:sld xmlns:a="http://schemas.openxmlformats.org/drawingml/2006/main" xmlns:p="http://schemas.openxmlformats.org/presentationml/2006/main" xmlns:r="http://schemas.openxmlformats.org/officeDocument/2006/relationships">
+  <p:cSld>
+    <p:spTree>
+      <p:nvGrpSpPr>
+        <p:cNvPr id="1" name=""/>
+        <p:cNvGrpSpPr/>
+        <p:nvPr/>
+      </p:nvGrpSpPr>
+      <p:grpSpPr/>
+      <p:sp>
+        <p:nvSpPr>
+          <p:cNvPr id="2" name="Title 1"/>
+          <p:cNvSpPr>
+            <a:spLocks noGrp="1"/>
+          </p:cNvSpPr>
+          <p:nvPr>
+            <p:ph type="title"/>
+          </p:nvPr>
+        </p:nvSpPr>
+        <p:spPr/>
+        <p:txBody>
+          <a:bodyPr/>
+          <a:lstStyle/>
+          <a:p>
+            <a:r>
               <a:t>Tableau 3</a:t>
             </a:r>
           </a:p>
@@ -4943,166 +5118,6 @@
 </p:sld>
 </file>
 
-<file path=ppt/slides/slide3.xml><?xml version="1.0" encoding="utf-8"?>
-<p:sld xmlns:a="http://schemas.openxmlformats.org/drawingml/2006/main" xmlns:p="http://schemas.openxmlformats.org/presentationml/2006/main" xmlns:r="http://schemas.openxmlformats.org/officeDocument/2006/relationships">
-  <p:cSld>
-    <p:spTree>
-      <p:nvGrpSpPr>
-        <p:cNvPr id="1" name=""/>
-        <p:cNvGrpSpPr/>
-        <p:nvPr/>
-      </p:nvGrpSpPr>
-      <p:grpSpPr/>
-      <p:sp>
-        <p:nvSpPr>
-          <p:cNvPr id="2" name="Title 1"/>
-          <p:cNvSpPr>
-            <a:spLocks noGrp="1"/>
-          </p:cNvSpPr>
-          <p:nvPr>
-            <p:ph type="title"/>
-          </p:nvPr>
-        </p:nvSpPr>
-        <p:spPr/>
-        <p:txBody>
-          <a:bodyPr/>
-          <a:lstStyle/>
-          <a:p>
-            <a:r>
-              <a:t>Capitalisation</a:t>
-            </a:r>
-          </a:p>
-        </p:txBody>
-      </p:sp>
-      <p:sp>
-        <p:nvSpPr>
-          <p:cNvPr id="3" name="Content Placeholder 2"/>
-          <p:cNvSpPr>
-            <a:spLocks noGrp="1"/>
-          </p:cNvSpPr>
-          <p:nvPr>
-            <p:ph idx="1"/>
-          </p:nvPr>
-        </p:nvSpPr>
-        <p:spPr/>
-        <p:txBody>
-          <a:bodyPr/>
-          <a:lstStyle/>
-          <a:p/>
-        </p:txBody>
-      </p:sp>
-      <p:pic>
-        <p:nvPicPr>
-          <p:cNvPr id="4" name="Picture 3" descr="fig{i}.png"/>
-          <p:cNvPicPr>
-            <a:picLocks noChangeAspect="1"/>
-          </p:cNvPicPr>
-          <p:nvPr/>
-        </p:nvPicPr>
-        <p:blipFill>
-          <a:blip r:embed="rId2"/>
-          <a:stretch>
-            <a:fillRect/>
-          </a:stretch>
-        </p:blipFill>
-        <p:spPr>
-          <a:xfrm>
-            <a:off x="1005840" y="1737360"/>
-            <a:ext cx="7315200" cy="4572000"/>
-          </a:xfrm>
-          <a:prstGeom prst="rect">
-            <a:avLst/>
-          </a:prstGeom>
-        </p:spPr>
-      </p:pic>
-    </p:spTree>
-  </p:cSld>
-  <p:clrMapOvr>
-    <a:masterClrMapping/>
-  </p:clrMapOvr>
-</p:sld>
-</file>
-
-<file path=ppt/slides/slide30.xml><?xml version="1.0" encoding="utf-8"?>
-<p:sld xmlns:a="http://schemas.openxmlformats.org/drawingml/2006/main" xmlns:p="http://schemas.openxmlformats.org/presentationml/2006/main" xmlns:r="http://schemas.openxmlformats.org/officeDocument/2006/relationships">
-  <p:cSld>
-    <p:spTree>
-      <p:nvGrpSpPr>
-        <p:cNvPr id="1" name=""/>
-        <p:cNvGrpSpPr/>
-        <p:nvPr/>
-      </p:nvGrpSpPr>
-      <p:grpSpPr/>
-      <p:sp>
-        <p:nvSpPr>
-          <p:cNvPr id="2" name="Title 1"/>
-          <p:cNvSpPr>
-            <a:spLocks noGrp="1"/>
-          </p:cNvSpPr>
-          <p:nvPr>
-            <p:ph type="title"/>
-          </p:nvPr>
-        </p:nvSpPr>
-        <p:spPr/>
-        <p:txBody>
-          <a:bodyPr/>
-          <a:lstStyle/>
-          <a:p>
-            <a:r>
-              <a:t>Dette Nette</a:t>
-            </a:r>
-          </a:p>
-        </p:txBody>
-      </p:sp>
-      <p:sp>
-        <p:nvSpPr>
-          <p:cNvPr id="3" name="Content Placeholder 2"/>
-          <p:cNvSpPr>
-            <a:spLocks noGrp="1"/>
-          </p:cNvSpPr>
-          <p:nvPr>
-            <p:ph idx="1"/>
-          </p:nvPr>
-        </p:nvSpPr>
-        <p:spPr/>
-        <p:txBody>
-          <a:bodyPr/>
-          <a:lstStyle/>
-          <a:p/>
-        </p:txBody>
-      </p:sp>
-      <p:pic>
-        <p:nvPicPr>
-          <p:cNvPr id="4" name="Picture 3" descr="fig{i}.png"/>
-          <p:cNvPicPr>
-            <a:picLocks noChangeAspect="1"/>
-          </p:cNvPicPr>
-          <p:nvPr/>
-        </p:nvPicPr>
-        <p:blipFill>
-          <a:blip r:embed="rId2"/>
-          <a:stretch>
-            <a:fillRect/>
-          </a:stretch>
-        </p:blipFill>
-        <p:spPr>
-          <a:xfrm>
-            <a:off x="1005840" y="1737360"/>
-            <a:ext cx="7315200" cy="4572000"/>
-          </a:xfrm>
-          <a:prstGeom prst="rect">
-            <a:avLst/>
-          </a:prstGeom>
-        </p:spPr>
-      </p:pic>
-    </p:spTree>
-  </p:cSld>
-  <p:clrMapOvr>
-    <a:masterClrMapping/>
-  </p:clrMapOvr>
-</p:sld>
-</file>
-
 <file path=ppt/slides/slide31.xml><?xml version="1.0" encoding="utf-8"?>
 <p:sld xmlns:a="http://schemas.openxmlformats.org/drawingml/2006/main" xmlns:p="http://schemas.openxmlformats.org/presentationml/2006/main" xmlns:r="http://schemas.openxmlformats.org/officeDocument/2006/relationships">
   <p:cSld>
@@ -5129,7 +5144,7 @@
           <a:lstStyle/>
           <a:p>
             <a:r>
-              <a:t>Leverage Dette/EBITDA</a:t>
+              <a:t>Dette Nette</a:t>
             </a:r>
           </a:p>
         </p:txBody>
@@ -5209,7 +5224,7 @@
           <a:lstStyle/>
           <a:p>
             <a:r>
-              <a:t>Free Cash Flow</a:t>
+              <a:t>Leverage Dette/EBITDA</a:t>
             </a:r>
           </a:p>
         </p:txBody>
@@ -5289,7 +5304,7 @@
           <a:lstStyle/>
           <a:p>
             <a:r>
-              <a:t>ROE RN / Capitaux Propres</a:t>
+              <a:t>Free Cash Flow</a:t>
             </a:r>
           </a:p>
         </p:txBody>
@@ -5369,7 +5384,7 @@
           <a:lstStyle/>
           <a:p>
             <a:r>
-              <a:t>ROA RN / Total Actif</a:t>
+              <a:t>ROE RN / Capitaux Propres</a:t>
             </a:r>
           </a:p>
         </p:txBody>
@@ -5449,7 +5464,7 @@
           <a:lstStyle/>
           <a:p>
             <a:r>
-              <a:t>Total Actifs</a:t>
+              <a:t>ROA RN / Total Actif</a:t>
             </a:r>
           </a:p>
         </p:txBody>
@@ -5529,7 +5544,7 @@
           <a:lstStyle/>
           <a:p>
             <a:r>
-              <a:t>Actif net par Action</a:t>
+              <a:t>Total Actifs</a:t>
             </a:r>
           </a:p>
         </p:txBody>
@@ -5609,7 +5624,7 @@
           <a:lstStyle/>
           <a:p>
             <a:r>
-              <a:t>Cash Flow Par Action</a:t>
+              <a:t>Actif net par Action</a:t>
             </a:r>
           </a:p>
         </p:txBody>
@@ -5689,7 +5704,7 @@
           <a:lstStyle/>
           <a:p>
             <a:r>
-              <a:t>Capex</a:t>
+              <a:t>Cash Flow Par Action</a:t>
             </a:r>
           </a:p>
         </p:txBody>
@@ -5769,7 +5784,7 @@
           <a:lstStyle/>
           <a:p>
             <a:r>
-              <a:t>Capex / CA</a:t>
+              <a:t>Capex</a:t>
             </a:r>
           </a:p>
         </p:txBody>
@@ -5849,7 +5864,7 @@
           <a:lstStyle/>
           <a:p>
             <a:r>
-              <a:t>Valeur Entreprise</a:t>
+              <a:t>Capitalisation</a:t>
             </a:r>
           </a:p>
         </p:txBody>
@@ -5929,7 +5944,7 @@
           <a:lstStyle/>
           <a:p>
             <a:r>
-              <a:t>Capitaux Propres</a:t>
+              <a:t>Capex / CA</a:t>
             </a:r>
           </a:p>
         </p:txBody>
@@ -6009,7 +6024,7 @@
           <a:lstStyle/>
           <a:p>
             <a:r>
-              <a:t>Taux de distribution</a:t>
+              <a:t>Capitaux Propres</a:t>
             </a:r>
           </a:p>
         </p:txBody>
@@ -6033,7 +6048,7 @@
       </p:sp>
       <p:pic>
         <p:nvPicPr>
-          <p:cNvPr id="4" name="Picture 3" descr="payout.png"/>
+          <p:cNvPr id="4" name="Picture 3" descr="fig{i}.png"/>
           <p:cNvPicPr>
             <a:picLocks noChangeAspect="1"/>
           </p:cNvPicPr>
@@ -6047,7 +6062,7 @@
         </p:blipFill>
         <p:spPr>
           <a:xfrm>
-            <a:off x="914400" y="1828800"/>
+            <a:off x="1005840" y="1737360"/>
             <a:ext cx="7315200" cy="4572000"/>
           </a:xfrm>
           <a:prstGeom prst="rect">
@@ -6089,7 +6104,7 @@
           <a:lstStyle/>
           <a:p>
             <a:r>
-              <a:t>Capitaux propres vs Dette net</a:t>
+              <a:t>Taux de distribution</a:t>
             </a:r>
           </a:p>
         </p:txBody>
@@ -6113,7 +6128,7 @@
       </p:sp>
       <p:pic>
         <p:nvPicPr>
-          <p:cNvPr id="4" name="Picture 3" descr="cap_versus_debt.png"/>
+          <p:cNvPr id="4" name="Picture 3" descr="payout.png"/>
           <p:cNvPicPr>
             <a:picLocks noChangeAspect="1"/>
           </p:cNvPicPr>
@@ -6169,7 +6184,7 @@
           <a:lstStyle/>
           <a:p>
             <a:r>
-              <a:t>Évolution du compte de résultat annuel</a:t>
+              <a:t>Capitaux propres vs Dette net</a:t>
             </a:r>
           </a:p>
         </p:txBody>
@@ -6193,7 +6208,7 @@
       </p:sp>
       <p:pic>
         <p:nvPicPr>
-          <p:cNvPr id="4" name="Picture 3" descr="plot_multiple_indicator.png"/>
+          <p:cNvPr id="4" name="Picture 3" descr="cap_versus_debt.png"/>
           <p:cNvPicPr>
             <a:picLocks noChangeAspect="1"/>
           </p:cNvPicPr>
@@ -6207,8 +6222,8 @@
         </p:blipFill>
         <p:spPr>
           <a:xfrm>
-            <a:off x="731520" y="1828800"/>
-            <a:ext cx="8229600" cy="4572000"/>
+            <a:off x="914400" y="1828800"/>
+            <a:ext cx="7315200" cy="4572000"/>
           </a:xfrm>
           <a:prstGeom prst="rect">
             <a:avLst/>
@@ -6249,7 +6264,7 @@
           <a:lstStyle/>
           <a:p>
             <a:r>
-              <a:t>Évolution du compte de résultat trimestrielle</a:t>
+              <a:t>Évolution du compte de résultat annuel</a:t>
             </a:r>
           </a:p>
         </p:txBody>
@@ -6329,7 +6344,7 @@
           <a:lstStyle/>
           <a:p>
             <a:r>
-              <a:t>Perte de valeur maximum</a:t>
+              <a:t>Évolution du compte de résultat trimestrielle</a:t>
             </a:r>
           </a:p>
         </p:txBody>
@@ -6353,7 +6368,7 @@
       </p:sp>
       <p:pic>
         <p:nvPicPr>
-          <p:cNvPr id="4" name="Picture 3" descr="maximum_draw_down.png"/>
+          <p:cNvPr id="4" name="Picture 3" descr="plot_multiple_indicator.png"/>
           <p:cNvPicPr>
             <a:picLocks noChangeAspect="1"/>
           </p:cNvPicPr>
@@ -6367,8 +6382,8 @@
         </p:blipFill>
         <p:spPr>
           <a:xfrm>
-            <a:off x="914400" y="1828800"/>
-            <a:ext cx="7315200" cy="4572000"/>
+            <a:off x="731520" y="1828800"/>
+            <a:ext cx="8229600" cy="4572000"/>
           </a:xfrm>
           <a:prstGeom prst="rect">
             <a:avLst/>
@@ -6409,7 +6424,7 @@
           <a:lstStyle/>
           <a:p>
             <a:r>
-              <a:t>Prix de l'action normalisé KO vs SP500</a:t>
+              <a:t>Perte de valeur maximum</a:t>
             </a:r>
           </a:p>
         </p:txBody>
@@ -6433,7 +6448,7 @@
       </p:sp>
       <p:pic>
         <p:nvPicPr>
-          <p:cNvPr id="4" name="Picture 3" descr="bench.png"/>
+          <p:cNvPr id="4" name="Picture 3" descr="maximum_draw_down.png"/>
           <p:cNvPicPr>
             <a:picLocks noChangeAspect="1"/>
           </p:cNvPicPr>
@@ -6489,7 +6504,7 @@
           <a:lstStyle/>
           <a:p>
             <a:r>
-              <a:t>Régression linéaire</a:t>
+              <a:t>Prix de l'action normalisé KO vs SP500</a:t>
             </a:r>
           </a:p>
         </p:txBody>
@@ -6513,7 +6528,7 @@
       </p:sp>
       <p:pic>
         <p:nvPicPr>
-          <p:cNvPr id="4" name="Picture 3" descr="linear_regression.png"/>
+          <p:cNvPr id="4" name="Picture 3" descr="bench.png"/>
           <p:cNvPicPr>
             <a:picLocks noChangeAspect="1"/>
           </p:cNvPicPr>
@@ -6569,6 +6584,86 @@
           <a:lstStyle/>
           <a:p>
             <a:r>
+              <a:t>Régression linéaire</a:t>
+            </a:r>
+          </a:p>
+        </p:txBody>
+      </p:sp>
+      <p:sp>
+        <p:nvSpPr>
+          <p:cNvPr id="3" name="Content Placeholder 2"/>
+          <p:cNvSpPr>
+            <a:spLocks noGrp="1"/>
+          </p:cNvSpPr>
+          <p:nvPr>
+            <p:ph idx="1"/>
+          </p:nvPr>
+        </p:nvSpPr>
+        <p:spPr/>
+        <p:txBody>
+          <a:bodyPr/>
+          <a:lstStyle/>
+          <a:p/>
+        </p:txBody>
+      </p:sp>
+      <p:pic>
+        <p:nvPicPr>
+          <p:cNvPr id="4" name="Picture 3" descr="linear_regression.png"/>
+          <p:cNvPicPr>
+            <a:picLocks noChangeAspect="1"/>
+          </p:cNvPicPr>
+          <p:nvPr/>
+        </p:nvPicPr>
+        <p:blipFill>
+          <a:blip r:embed="rId2"/>
+          <a:stretch>
+            <a:fillRect/>
+          </a:stretch>
+        </p:blipFill>
+        <p:spPr>
+          <a:xfrm>
+            <a:off x="914400" y="1828800"/>
+            <a:ext cx="7315200" cy="4572000"/>
+          </a:xfrm>
+          <a:prstGeom prst="rect">
+            <a:avLst/>
+          </a:prstGeom>
+        </p:spPr>
+      </p:pic>
+    </p:spTree>
+  </p:cSld>
+  <p:clrMapOvr>
+    <a:masterClrMapping/>
+  </p:clrMapOvr>
+</p:sld>
+</file>
+
+<file path=ppt/slides/slide49.xml><?xml version="1.0" encoding="utf-8"?>
+<p:sld xmlns:a="http://schemas.openxmlformats.org/drawingml/2006/main" xmlns:p="http://schemas.openxmlformats.org/presentationml/2006/main" xmlns:r="http://schemas.openxmlformats.org/officeDocument/2006/relationships">
+  <p:cSld>
+    <p:spTree>
+      <p:nvGrpSpPr>
+        <p:cNvPr id="1" name=""/>
+        <p:cNvGrpSpPr/>
+        <p:nvPr/>
+      </p:nvGrpSpPr>
+      <p:grpSpPr/>
+      <p:sp>
+        <p:nvSpPr>
+          <p:cNvPr id="2" name="Title 1"/>
+          <p:cNvSpPr>
+            <a:spLocks noGrp="1"/>
+          </p:cNvSpPr>
+          <p:nvPr>
+            <p:ph type="title"/>
+          </p:nvPr>
+        </p:nvSpPr>
+        <p:spPr/>
+        <p:txBody>
+          <a:bodyPr/>
+          <a:lstStyle/>
+          <a:p>
+            <a:r>
               <a:t>Relative Strength Index (RSI)</a:t>
             </a:r>
           </a:p>
@@ -6623,86 +6718,6 @@
 </p:sld>
 </file>
 
-<file path=ppt/slides/slide49.xml><?xml version="1.0" encoding="utf-8"?>
-<p:sld xmlns:a="http://schemas.openxmlformats.org/drawingml/2006/main" xmlns:p="http://schemas.openxmlformats.org/presentationml/2006/main" xmlns:r="http://schemas.openxmlformats.org/officeDocument/2006/relationships">
-  <p:cSld>
-    <p:spTree>
-      <p:nvGrpSpPr>
-        <p:cNvPr id="1" name=""/>
-        <p:cNvGrpSpPr/>
-        <p:nvPr/>
-      </p:nvGrpSpPr>
-      <p:grpSpPr/>
-      <p:sp>
-        <p:nvSpPr>
-          <p:cNvPr id="2" name="Title 1"/>
-          <p:cNvSpPr>
-            <a:spLocks noGrp="1"/>
-          </p:cNvSpPr>
-          <p:nvPr>
-            <p:ph type="title"/>
-          </p:nvPr>
-        </p:nvSpPr>
-        <p:spPr/>
-        <p:txBody>
-          <a:bodyPr/>
-          <a:lstStyle/>
-          <a:p>
-            <a:r>
-              <a:t>Zoom des six derniers mois</a:t>
-            </a:r>
-          </a:p>
-        </p:txBody>
-      </p:sp>
-      <p:sp>
-        <p:nvSpPr>
-          <p:cNvPr id="3" name="Content Placeholder 2"/>
-          <p:cNvSpPr>
-            <a:spLocks noGrp="1"/>
-          </p:cNvSpPr>
-          <p:nvPr>
-            <p:ph idx="1"/>
-          </p:nvPr>
-        </p:nvSpPr>
-        <p:spPr/>
-        <p:txBody>
-          <a:bodyPr/>
-          <a:lstStyle/>
-          <a:p/>
-        </p:txBody>
-      </p:sp>
-      <p:pic>
-        <p:nvPicPr>
-          <p:cNvPr id="4" name="Picture 3" descr="Zoom.png"/>
-          <p:cNvPicPr>
-            <a:picLocks noChangeAspect="1"/>
-          </p:cNvPicPr>
-          <p:nvPr/>
-        </p:nvPicPr>
-        <p:blipFill>
-          <a:blip r:embed="rId2"/>
-          <a:stretch>
-            <a:fillRect/>
-          </a:stretch>
-        </p:blipFill>
-        <p:spPr>
-          <a:xfrm>
-            <a:off x="45720" y="1371600"/>
-            <a:ext cx="8229600" cy="5486400"/>
-          </a:xfrm>
-          <a:prstGeom prst="rect">
-            <a:avLst/>
-          </a:prstGeom>
-        </p:spPr>
-      </p:pic>
-    </p:spTree>
-  </p:cSld>
-  <p:clrMapOvr>
-    <a:masterClrMapping/>
-  </p:clrMapOvr>
-</p:sld>
-</file>
-
 <file path=ppt/slides/slide5.xml><?xml version="1.0" encoding="utf-8"?>
 <p:sld xmlns:a="http://schemas.openxmlformats.org/drawingml/2006/main" xmlns:p="http://schemas.openxmlformats.org/presentationml/2006/main" xmlns:r="http://schemas.openxmlformats.org/officeDocument/2006/relationships">
   <p:cSld>
@@ -6729,7 +6744,7 @@
           <a:lstStyle/>
           <a:p>
             <a:r>
-              <a:t>PER</a:t>
+              <a:t>Valeur Entreprise</a:t>
             </a:r>
           </a:p>
         </p:txBody>
@@ -6809,7 +6824,7 @@
           <a:lstStyle/>
           <a:p>
             <a:r>
-              <a:t>Corrélations entre différents indices et indicateurs</a:t>
+              <a:t>Zoom des six derniers mois</a:t>
             </a:r>
           </a:p>
         </p:txBody>
@@ -6833,7 +6848,7 @@
       </p:sp>
       <p:pic>
         <p:nvPicPr>
-          <p:cNvPr id="4" name="Picture 3" descr="correlations.png"/>
+          <p:cNvPr id="4" name="Picture 3" descr="Zoom.png"/>
           <p:cNvPicPr>
             <a:picLocks noChangeAspect="1"/>
           </p:cNvPicPr>
@@ -6847,8 +6862,8 @@
         </p:blipFill>
         <p:spPr>
           <a:xfrm>
-            <a:off x="457200" y="1828800"/>
-            <a:ext cx="8229600" cy="4572000"/>
+            <a:off x="45720" y="1371600"/>
+            <a:ext cx="8229600" cy="5486400"/>
           </a:xfrm>
           <a:prstGeom prst="rect">
             <a:avLst/>
@@ -6889,7 +6904,7 @@
           <a:lstStyle/>
           <a:p>
             <a:r>
-              <a:t>Décomposition de la saisonnalité annuelle au cours des dernières années</a:t>
+              <a:t>Corrélations entre différents indices et indicateurs</a:t>
             </a:r>
           </a:p>
         </p:txBody>
@@ -6913,7 +6928,7 @@
       </p:sp>
       <p:pic>
         <p:nvPicPr>
-          <p:cNvPr id="4" name="Picture 3" descr="seasonality.png"/>
+          <p:cNvPr id="4" name="Picture 3" descr="correlations.png"/>
           <p:cNvPicPr>
             <a:picLocks noChangeAspect="1"/>
           </p:cNvPicPr>
@@ -6969,7 +6984,7 @@
           <a:lstStyle/>
           <a:p>
             <a:r>
-              <a:t>Prix et dividendes</a:t>
+              <a:t>Décomposition de la saisonnalité annuelle au cours des dernières années</a:t>
             </a:r>
           </a:p>
         </p:txBody>
@@ -6993,7 +7008,7 @@
       </p:sp>
       <p:pic>
         <p:nvPicPr>
-          <p:cNvPr id="4" name="Picture 3" descr="price_with_dividends.png"/>
+          <p:cNvPr id="4" name="Picture 3" descr="seasonality.png"/>
           <p:cNvPicPr>
             <a:picLocks noChangeAspect="1"/>
           </p:cNvPicPr>
@@ -7007,8 +7022,8 @@
         </p:blipFill>
         <p:spPr>
           <a:xfrm>
-            <a:off x="914400" y="1828800"/>
-            <a:ext cx="7315200" cy="4572000"/>
+            <a:off x="457200" y="1828800"/>
+            <a:ext cx="8229600" cy="4572000"/>
           </a:xfrm>
           <a:prstGeom prst="rect">
             <a:avLst/>
@@ -7049,7 +7064,7 @@
           <a:lstStyle/>
           <a:p>
             <a:r>
-              <a:t>Evolution du rendement pour KO</a:t>
+              <a:t>Prix et dividendes</a:t>
             </a:r>
           </a:p>
         </p:txBody>
@@ -7073,7 +7088,7 @@
       </p:sp>
       <p:pic>
         <p:nvPicPr>
-          <p:cNvPr id="4" name="Picture 3" descr="time_serie_yield.png"/>
+          <p:cNvPr id="4" name="Picture 3" descr="price_with_dividends.png"/>
           <p:cNvPicPr>
             <a:picLocks noChangeAspect="1"/>
           </p:cNvPicPr>
@@ -7129,7 +7144,7 @@
           <a:lstStyle/>
           <a:p>
             <a:r>
-              <a:t>Dividende versé par année et par action</a:t>
+              <a:t>Evolution du rendement pour KO </a:t>
             </a:r>
           </a:p>
         </p:txBody>
@@ -7153,7 +7168,7 @@
       </p:sp>
       <p:pic>
         <p:nvPicPr>
-          <p:cNvPr id="4" name="Picture 3" descr="annual_dividend.png"/>
+          <p:cNvPr id="4" name="Picture 3" descr="time_serie_yield.png"/>
           <p:cNvPicPr>
             <a:picLocks noChangeAspect="1"/>
           </p:cNvPicPr>
@@ -7209,7 +7224,7 @@
           <a:lstStyle/>
           <a:p>
             <a:r>
-              <a:t>Statistiques de pourcentage de changement du dividende par année</a:t>
+              <a:t>Evolution du rendement pour KO 5 ans</a:t>
             </a:r>
           </a:p>
         </p:txBody>
@@ -7233,7 +7248,7 @@
       </p:sp>
       <p:pic>
         <p:nvPicPr>
-          <p:cNvPr id="4" name="Picture 3" descr="price_with_dividends.png"/>
+          <p:cNvPr id="4" name="Picture 3" descr="time_serie_yield_five_years.png"/>
           <p:cNvPicPr>
             <a:picLocks noChangeAspect="1"/>
           </p:cNvPicPr>
@@ -7289,7 +7304,7 @@
           <a:lstStyle/>
           <a:p>
             <a:r>
-              <a:t>Statistiques de pourcentage de changement du dividende par année (5 ans)</a:t>
+              <a:t>Dividende versé par année et par action</a:t>
             </a:r>
           </a:p>
         </p:txBody>
@@ -7313,7 +7328,7 @@
       </p:sp>
       <p:pic>
         <p:nvPicPr>
-          <p:cNvPr id="4" name="Picture 3" descr="price_with_dividends.png"/>
+          <p:cNvPr id="4" name="Picture 3" descr="annual_dividend.png"/>
           <p:cNvPicPr>
             <a:picLocks noChangeAspect="1"/>
           </p:cNvPicPr>
@@ -7369,7 +7384,7 @@
           <a:lstStyle/>
           <a:p>
             <a:r>
-              <a:t>Scores de dividende</a:t>
+              <a:t>Statistiques de pourcentage de changement du dividende par année</a:t>
             </a:r>
           </a:p>
         </p:txBody>
@@ -7393,7 +7408,7 @@
       </p:sp>
       <p:pic>
         <p:nvPicPr>
-          <p:cNvPr id="4" name="Picture 3" descr="dividend_scores.png"/>
+          <p:cNvPr id="4" name="Picture 3" descr="price_with_dividends.png"/>
           <p:cNvPicPr>
             <a:picLocks noChangeAspect="1"/>
           </p:cNvPicPr>
@@ -7449,7 +7464,7 @@
           <a:lstStyle/>
           <a:p>
             <a:r>
-              <a:t>Scores de dividende 5 ans</a:t>
+              <a:t>Statistiques de pourcentage de changement du dividende par année (5 ans)</a:t>
             </a:r>
           </a:p>
         </p:txBody>
@@ -7473,7 +7488,7 @@
       </p:sp>
       <p:pic>
         <p:nvPicPr>
-          <p:cNvPr id="4" name="Picture 3" descr="dividend_scores_five_years.png"/>
+          <p:cNvPr id="4" name="Picture 3" descr="price_with_dividends.png"/>
           <p:cNvPicPr>
             <a:picLocks noChangeAspect="1"/>
           </p:cNvPicPr>
@@ -7529,7 +7544,7 @@
           <a:lstStyle/>
           <a:p>
             <a:r>
-              <a:t>Repartition des investisseurs</a:t>
+              <a:t>Scores de dividende</a:t>
             </a:r>
           </a:p>
         </p:txBody>
@@ -7553,7 +7568,7 @@
       </p:sp>
       <p:pic>
         <p:nvPicPr>
-          <p:cNvPr id="4" name="Picture 3" descr="shareholders.png"/>
+          <p:cNvPr id="4" name="Picture 3" descr="dividend_scores.png"/>
           <p:cNvPicPr>
             <a:picLocks noChangeAspect="1"/>
           </p:cNvPicPr>
@@ -7567,8 +7582,8 @@
         </p:blipFill>
         <p:spPr>
           <a:xfrm>
-            <a:off x="2194560" y="1371600"/>
-            <a:ext cx="4572000" cy="4572000"/>
+            <a:off x="914400" y="1828800"/>
+            <a:ext cx="7315200" cy="4572000"/>
           </a:xfrm>
           <a:prstGeom prst="rect">
             <a:avLst/>
@@ -7609,7 +7624,7 @@
           <a:lstStyle/>
           <a:p>
             <a:r>
-              <a:t>Rendement</a:t>
+              <a:t>PER</a:t>
             </a:r>
           </a:p>
         </p:txBody>
@@ -7689,7 +7704,7 @@
           <a:lstStyle/>
           <a:p>
             <a:r>
-              <a:t>Analyse de sentiment du marché, basée sur les titres d'actualités.</a:t>
+              <a:t>Scores de dividende 5 ans</a:t>
             </a:r>
           </a:p>
         </p:txBody>
@@ -7713,7 +7728,7 @@
       </p:sp>
       <p:pic>
         <p:nvPicPr>
-          <p:cNvPr id="4" name="Picture 3" descr="sentiment.png"/>
+          <p:cNvPr id="4" name="Picture 3" descr="dividend_scores_five_years.png"/>
           <p:cNvPicPr>
             <a:picLocks noChangeAspect="1"/>
           </p:cNvPicPr>
@@ -7769,6 +7784,166 @@
           <a:lstStyle/>
           <a:p>
             <a:r>
+              <a:t>Repartition des investisseurs</a:t>
+            </a:r>
+          </a:p>
+        </p:txBody>
+      </p:sp>
+      <p:sp>
+        <p:nvSpPr>
+          <p:cNvPr id="3" name="Content Placeholder 2"/>
+          <p:cNvSpPr>
+            <a:spLocks noGrp="1"/>
+          </p:cNvSpPr>
+          <p:nvPr>
+            <p:ph idx="1"/>
+          </p:nvPr>
+        </p:nvSpPr>
+        <p:spPr/>
+        <p:txBody>
+          <a:bodyPr/>
+          <a:lstStyle/>
+          <a:p/>
+        </p:txBody>
+      </p:sp>
+      <p:pic>
+        <p:nvPicPr>
+          <p:cNvPr id="4" name="Picture 3" descr="shareholders.png"/>
+          <p:cNvPicPr>
+            <a:picLocks noChangeAspect="1"/>
+          </p:cNvPicPr>
+          <p:nvPr/>
+        </p:nvPicPr>
+        <p:blipFill>
+          <a:blip r:embed="rId2"/>
+          <a:stretch>
+            <a:fillRect/>
+          </a:stretch>
+        </p:blipFill>
+        <p:spPr>
+          <a:xfrm>
+            <a:off x="2194560" y="1371600"/>
+            <a:ext cx="4572000" cy="4572000"/>
+          </a:xfrm>
+          <a:prstGeom prst="rect">
+            <a:avLst/>
+          </a:prstGeom>
+        </p:spPr>
+      </p:pic>
+    </p:spTree>
+  </p:cSld>
+  <p:clrMapOvr>
+    <a:masterClrMapping/>
+  </p:clrMapOvr>
+</p:sld>
+</file>
+
+<file path=ppt/slides/slide62.xml><?xml version="1.0" encoding="utf-8"?>
+<p:sld xmlns:a="http://schemas.openxmlformats.org/drawingml/2006/main" xmlns:p="http://schemas.openxmlformats.org/presentationml/2006/main" xmlns:r="http://schemas.openxmlformats.org/officeDocument/2006/relationships">
+  <p:cSld>
+    <p:spTree>
+      <p:nvGrpSpPr>
+        <p:cNvPr id="1" name=""/>
+        <p:cNvGrpSpPr/>
+        <p:nvPr/>
+      </p:nvGrpSpPr>
+      <p:grpSpPr/>
+      <p:sp>
+        <p:nvSpPr>
+          <p:cNvPr id="2" name="Title 1"/>
+          <p:cNvSpPr>
+            <a:spLocks noGrp="1"/>
+          </p:cNvSpPr>
+          <p:nvPr>
+            <p:ph type="title"/>
+          </p:nvPr>
+        </p:nvSpPr>
+        <p:spPr/>
+        <p:txBody>
+          <a:bodyPr/>
+          <a:lstStyle/>
+          <a:p>
+            <a:r>
+              <a:t>Analyse de sentiment du marché, basée sur les titres d'actualités.</a:t>
+            </a:r>
+          </a:p>
+        </p:txBody>
+      </p:sp>
+      <p:sp>
+        <p:nvSpPr>
+          <p:cNvPr id="3" name="Content Placeholder 2"/>
+          <p:cNvSpPr>
+            <a:spLocks noGrp="1"/>
+          </p:cNvSpPr>
+          <p:nvPr>
+            <p:ph idx="1"/>
+          </p:nvPr>
+        </p:nvSpPr>
+        <p:spPr/>
+        <p:txBody>
+          <a:bodyPr/>
+          <a:lstStyle/>
+          <a:p/>
+        </p:txBody>
+      </p:sp>
+      <p:pic>
+        <p:nvPicPr>
+          <p:cNvPr id="4" name="Picture 3" descr="sentiment.png"/>
+          <p:cNvPicPr>
+            <a:picLocks noChangeAspect="1"/>
+          </p:cNvPicPr>
+          <p:nvPr/>
+        </p:nvPicPr>
+        <p:blipFill>
+          <a:blip r:embed="rId2"/>
+          <a:stretch>
+            <a:fillRect/>
+          </a:stretch>
+        </p:blipFill>
+        <p:spPr>
+          <a:xfrm>
+            <a:off x="914400" y="1828800"/>
+            <a:ext cx="7315200" cy="4572000"/>
+          </a:xfrm>
+          <a:prstGeom prst="rect">
+            <a:avLst/>
+          </a:prstGeom>
+        </p:spPr>
+      </p:pic>
+    </p:spTree>
+  </p:cSld>
+  <p:clrMapOvr>
+    <a:masterClrMapping/>
+  </p:clrMapOvr>
+</p:sld>
+</file>
+
+<file path=ppt/slides/slide63.xml><?xml version="1.0" encoding="utf-8"?>
+<p:sld xmlns:a="http://schemas.openxmlformats.org/drawingml/2006/main" xmlns:p="http://schemas.openxmlformats.org/presentationml/2006/main" xmlns:r="http://schemas.openxmlformats.org/officeDocument/2006/relationships">
+  <p:cSld>
+    <p:spTree>
+      <p:nvGrpSpPr>
+        <p:cNvPr id="1" name=""/>
+        <p:cNvGrpSpPr/>
+        <p:nvPr/>
+      </p:nvGrpSpPr>
+      <p:grpSpPr/>
+      <p:sp>
+        <p:nvSpPr>
+          <p:cNvPr id="2" name="Title 1"/>
+          <p:cNvSpPr>
+            <a:spLocks noGrp="1"/>
+          </p:cNvSpPr>
+          <p:nvPr>
+            <p:ph type="title"/>
+          </p:nvPr>
+        </p:nvSpPr>
+        <p:spPr/>
+        <p:txBody>
+          <a:bodyPr/>
+          <a:lstStyle/>
+          <a:p>
+            <a:r>
               <a:t>Chiffres et informations à prendre en compte.</a:t>
             </a:r>
           </a:p>
@@ -7899,7 +8074,7 @@
           <a:lstStyle/>
           <a:p>
             <a:r>
-              <a:t>Capitalisation / CA</a:t>
+              <a:t>Rendement</a:t>
             </a:r>
           </a:p>
         </p:txBody>
@@ -7979,7 +8154,7 @@
           <a:lstStyle/>
           <a:p>
             <a:r>
-              <a:t>Valeur Entreprise / CA</a:t>
+              <a:t>Capitalisation / CA</a:t>
             </a:r>
           </a:p>
         </p:txBody>
@@ -8059,7 +8234,7 @@
           <a:lstStyle/>
           <a:p>
             <a:r>
-              <a:t>Valeur Entreprise / EBITDA</a:t>
+              <a:t>Valeur Entreprise / CA</a:t>
             </a:r>
           </a:p>
         </p:txBody>
